--- a/SOA Web Service Calls From UX Screens.pptx
+++ b/SOA Web Service Calls From UX Screens.pptx
@@ -2946,7 +2946,7 @@
             <a:r>
               <a:rPr lang="en-GB" altLang="en-US" sz="4000" b="1" dirty="0">
                 <a:solidFill>
-                  <a:srgbClr val="0070C0"/>
+                  <a:srgbClr val="00B050"/>
                 </a:solidFill>
               </a:rPr>
               <a:t>Real life project work examples of </a:t>
@@ -2954,21 +2954,21 @@
             <a:br>
               <a:rPr lang="en-GB" altLang="en-US" sz="4000" b="1" dirty="0">
                 <a:solidFill>
-                  <a:srgbClr val="0070C0"/>
+                  <a:srgbClr val="00B050"/>
                 </a:solidFill>
               </a:rPr>
             </a:br>
             <a:r>
               <a:rPr lang="en-GB" altLang="en-US" sz="4000" b="1" dirty="0">
                 <a:solidFill>
-                  <a:srgbClr val="0070C0"/>
+                  <a:srgbClr val="00B050"/>
                 </a:solidFill>
               </a:rPr>
               <a:t>Service Oriented Architecture (SOA)</a:t>
             </a:r>
             <a:endParaRPr lang="en-GB" altLang="en-US" sz="4000" b="1" dirty="0">
               <a:solidFill>
-                <a:srgbClr val="0070C0"/>
+                <a:srgbClr val="00B050"/>
               </a:solidFill>
             </a:endParaRPr>
           </a:p>
@@ -3000,7 +3000,7 @@
             <a:r>
               <a:rPr lang="en-GB" altLang="en-US" sz="2000" b="1">
                 <a:solidFill>
-                  <a:schemeClr val="accent5"/>
+                  <a:srgbClr val="00B050"/>
                 </a:solidFill>
               </a:rPr>
               <a:t>Scope of this presentation</a:t>
@@ -3420,14 +3420,14 @@
             <a:r>
               <a:rPr lang="en-GB" altLang="en-US" sz="2800" b="1">
                 <a:solidFill>
-                  <a:srgbClr val="0070C0"/>
+                  <a:srgbClr val="00B050"/>
                 </a:solidFill>
               </a:rPr>
-              <a:t>1) SOA Architecture used to while working on a CRM project of BSkyB</a:t>
+              <a:t>1) SOA Architecture used to while working on a CRM project</a:t>
             </a:r>
             <a:endParaRPr lang="en-GB" altLang="en-US" sz="2800" b="1">
               <a:solidFill>
-                <a:srgbClr val="0070C0"/>
+                <a:srgbClr val="00B050"/>
               </a:solidFill>
             </a:endParaRPr>
           </a:p>
@@ -4201,10 +4201,10 @@
             <a:r>
               <a:rPr lang="en-GB" altLang="en-US" sz="2400" b="1">
                 <a:solidFill>
-                  <a:schemeClr val="accent5"/>
+                  <a:srgbClr val="00B050"/>
                 </a:solidFill>
               </a:rPr>
-              <a:t>1) BSkyB CRM solution:</a:t>
+              <a:t>1) CRM solution:</a:t>
             </a:r>
             <a:r>
               <a:rPr lang="en-GB" altLang="en-US" sz="2400">
@@ -4245,10 +4245,10 @@
             <a:r>
               <a:rPr lang="en-GB" altLang="en-US" sz="2400" b="1">
                 <a:solidFill>
-                  <a:srgbClr val="0070C0"/>
+                  <a:srgbClr val="00B050"/>
                 </a:solidFill>
               </a:rPr>
-              <a:t>2) Tesco Bank Personal Current Accounts:</a:t>
+              <a:t>2) Personal Current Accounts:</a:t>
             </a:r>
             <a:r>
               <a:rPr lang="en-GB" altLang="en-US" sz="2400">
@@ -4281,10 +4281,10 @@
             <a:r>
               <a:rPr lang="en-GB" altLang="en-US" sz="2400" b="1">
                 <a:solidFill>
-                  <a:srgbClr val="0070C0"/>
+                  <a:srgbClr val="00B050"/>
                 </a:solidFill>
               </a:rPr>
-              <a:t>3) Monitise Bank:</a:t>
+              <a:t>3) Mobile platform of products:</a:t>
             </a:r>
             <a:r>
               <a:rPr lang="en-GB" altLang="en-US" sz="2400">
@@ -4292,7 +4292,7 @@
                   <a:schemeClr val="tx1"/>
                 </a:solidFill>
               </a:rPr>
-              <a:t> I elaborated product requirements and specification by examples working closely with the solution and technical architects. Monitise Enterprise platform was built on SOA Architecture web services.</a:t>
+              <a:t> I elaborated product requirements and specification by examples working closely with the solution and technical architects. Enterprise platform was built on SOA Architecture web services.</a:t>
             </a:r>
             <a:endParaRPr lang="en-GB" altLang="en-US" sz="2400">
               <a:solidFill>
@@ -4326,14 +4326,14 @@
             <a:r>
               <a:rPr lang="en-GB" altLang="en-US" sz="2800" b="1">
                 <a:solidFill>
-                  <a:srgbClr val="0070C0"/>
+                  <a:srgbClr val="00B050"/>
                 </a:solidFill>
               </a:rPr>
               <a:t>2) SOA based projects &amp; my engagements</a:t>
             </a:r>
             <a:endParaRPr lang="en-GB" altLang="en-US" sz="2800" b="1">
               <a:solidFill>
-                <a:srgbClr val="0070C0"/>
+                <a:srgbClr val="00B050"/>
               </a:solidFill>
             </a:endParaRPr>
           </a:p>
@@ -4381,7 +4381,7 @@
             <a:r>
               <a:rPr lang="en-GB" altLang="en-US" sz="2800" b="1">
                 <a:solidFill>
-                  <a:srgbClr val="0070C0"/>
+                  <a:srgbClr val="00B050"/>
                 </a:solidFill>
               </a:rPr>
               <a:t>3) Synchronous Request-Response Web Service call </a:t>
@@ -4389,22 +4389,22 @@
             <a:br>
               <a:rPr lang="en-GB" altLang="en-US" sz="2800" b="1">
                 <a:solidFill>
-                  <a:srgbClr val="0070C0"/>
+                  <a:srgbClr val="00B050"/>
                 </a:solidFill>
               </a:rPr>
             </a:br>
             <a:r>
               <a:rPr lang="en-GB" altLang="en-US" sz="2800" b="1">
                 <a:solidFill>
-                  <a:srgbClr val="0070C0"/>
+                  <a:srgbClr val="00B050"/>
                 </a:solidFill>
                 <a:sym typeface="+mn-ea"/>
               </a:rPr>
-              <a:t>Customer Search module of BSkyB CRM solution</a:t>
+              <a:t>Customer Search module of CRM solution</a:t>
             </a:r>
             <a:endParaRPr lang="en-GB" altLang="en-US" sz="2800" b="1">
               <a:solidFill>
-                <a:srgbClr val="0070C0"/>
+                <a:srgbClr val="00B050"/>
               </a:solidFill>
               <a:sym typeface="+mn-ea"/>
             </a:endParaRPr>
@@ -4487,13 +4487,22 @@
               <a:t>Clicking on “Search” button from web screen of CRM invokes </a:t>
             </a:r>
             <a:r>
+              <a:rPr lang="en-GB" altLang="en-US" b="1">
+                <a:solidFill>
+                  <a:srgbClr val="00B050"/>
+                </a:solidFill>
+                <a:sym typeface="+mn-ea"/>
+              </a:rPr>
+              <a:t>customerSearch (String customerName, String postCode, String businessName, String correspondenceRefNo)</a:t>
+            </a:r>
+            <a:r>
               <a:rPr lang="en-GB" altLang="en-US">
                 <a:solidFill>
                   <a:schemeClr val="accent5"/>
                 </a:solidFill>
                 <a:sym typeface="+mn-ea"/>
               </a:rPr>
-              <a:t>customerSearch (String customerName, String postCode, String businessName, String correspondenceRefNo) </a:t>
+              <a:t> </a:t>
             </a:r>
             <a:r>
               <a:rPr lang="en-GB" altLang="en-US">
@@ -4521,12 +4530,23 @@
         </p:nvSpPr>
         <p:spPr>
           <a:xfrm>
-            <a:off x="11146790" y="1788160"/>
-            <a:ext cx="730885" cy="3424555"/>
+            <a:off x="11148060" y="2078355"/>
+            <a:ext cx="730885" cy="3134995"/>
           </a:xfrm>
           <a:prstGeom prst="curvedLeftArrow">
             <a:avLst/>
           </a:prstGeom>
+          <a:gradFill>
+            <a:gsLst>
+              <a:gs pos="0">
+                <a:srgbClr val="00B050"/>
+              </a:gs>
+              <a:gs pos="100000">
+                <a:srgbClr val="0B6E38"/>
+              </a:gs>
+            </a:gsLst>
+            <a:lin ang="5400000" scaled="0"/>
+          </a:gradFill>
         </p:spPr>
         <p:style>
           <a:lnRef idx="2">
@@ -4707,7 +4727,7 @@
             <a:r>
               <a:rPr lang="en-GB" altLang="en-US" sz="2800" b="1">
                 <a:solidFill>
-                  <a:srgbClr val="0070C0"/>
+                  <a:srgbClr val="00B050"/>
                 </a:solidFill>
               </a:rPr>
               <a:t>4) Asynchronous Fire &amp; Forget Web Service call </a:t>
@@ -4715,21 +4735,21 @@
             <a:br>
               <a:rPr lang="en-GB" altLang="en-US" sz="2800" b="1">
                 <a:solidFill>
-                  <a:srgbClr val="0070C0"/>
+                  <a:srgbClr val="00B050"/>
                 </a:solidFill>
               </a:rPr>
             </a:br>
             <a:r>
               <a:rPr lang="en-GB" altLang="en-US" sz="2800" b="1">
                 <a:solidFill>
-                  <a:srgbClr val="0070C0"/>
+                  <a:srgbClr val="00B050"/>
                 </a:solidFill>
               </a:rPr>
-              <a:t>Customer calls BSkyB call center to request duplicate copy of a letter</a:t>
+              <a:t>Customer calls call center to request duplicate copy of a letter</a:t>
             </a:r>
             <a:endParaRPr lang="en-GB" altLang="en-US" sz="2800" b="1">
               <a:solidFill>
-                <a:srgbClr val="0070C0"/>
+                <a:srgbClr val="00B050"/>
               </a:solidFill>
               <a:sym typeface="+mn-ea"/>
             </a:endParaRPr>
@@ -4798,30 +4818,14 @@
             <a:r>
               <a:rPr lang="en-GB" altLang="en-US" sz="2800" b="1">
                 <a:solidFill>
-                  <a:srgbClr val="0070C0"/>
+                  <a:srgbClr val="00B050"/>
                 </a:solidFill>
               </a:rPr>
               <a:t>5) Messaging MQ and Java Messaging Service </a:t>
             </a:r>
             <a:endParaRPr lang="en-GB" altLang="en-US" sz="2800" b="1">
               <a:solidFill>
-                <a:srgbClr val="0070C0"/>
-              </a:solidFill>
-            </a:endParaRPr>
-          </a:p>
-          <a:p>
-            <a:r>
-              <a:rPr lang="en-GB" altLang="en-US" sz="2800" b="1">
-                <a:solidFill>
-                  <a:srgbClr val="0070C0"/>
-                </a:solidFill>
-                <a:sym typeface="+mn-ea"/>
-              </a:rPr>
-              <a:t>Child Trust Fund (CTF) project at Capgemini ASPIRE</a:t>
-            </a:r>
-            <a:endParaRPr lang="en-GB" altLang="en-US" sz="2800" b="1">
-              <a:solidFill>
-                <a:srgbClr val="0070C0"/>
+                <a:srgbClr val="00B050"/>
               </a:solidFill>
               <a:sym typeface="+mn-ea"/>
             </a:endParaRPr>
@@ -5171,14 +5175,14 @@
             <a:r>
               <a:rPr lang="en-GB" altLang="en-US" sz="2800" b="1">
                 <a:solidFill>
-                  <a:srgbClr val="0070C0"/>
+                  <a:srgbClr val="00B050"/>
                 </a:solidFill>
               </a:rPr>
               <a:t>6) Web Services Definition Language</a:t>
             </a:r>
             <a:endParaRPr lang="en-GB" altLang="en-US" sz="2800" b="1">
               <a:solidFill>
-                <a:srgbClr val="0070C0"/>
+                <a:srgbClr val="00B050"/>
               </a:solidFill>
             </a:endParaRPr>
           </a:p>
@@ -5186,14 +5190,14 @@
             <a:r>
               <a:rPr lang="en-GB" altLang="en-US" sz="2800" b="1">
                 <a:solidFill>
-                  <a:srgbClr val="0070C0"/>
+                  <a:srgbClr val="00B050"/>
                 </a:solidFill>
               </a:rPr>
-              <a:t>A fraction of Online Registration WSDL while at KCom</a:t>
+              <a:t>A fraction of Online Registration WSDL</a:t>
             </a:r>
             <a:endParaRPr lang="en-GB" altLang="en-US" sz="2800" b="1">
               <a:solidFill>
-                <a:srgbClr val="0070C0"/>
+                <a:srgbClr val="00B050"/>
               </a:solidFill>
               <a:sym typeface="+mn-ea"/>
             </a:endParaRPr>
@@ -5499,35 +5503,15 @@
             <a:r>
               <a:rPr lang="en-GB" altLang="en-US" sz="2800" b="1">
                 <a:solidFill>
-                  <a:srgbClr val="0070C0"/>
+                  <a:srgbClr val="00B050"/>
                 </a:solidFill>
                 <a:sym typeface="+mn-ea"/>
               </a:rPr>
-              <a:t>7) Java API for RESTful Web Services</a:t>
+              <a:t>7) Java API for RESTful Web Services </a:t>
             </a:r>
             <a:endParaRPr lang="en-GB" altLang="en-US" sz="2800" b="1">
               <a:solidFill>
-                <a:srgbClr val="0070C0"/>
-              </a:solidFill>
-              <a:sym typeface="+mn-ea"/>
-            </a:endParaRPr>
-          </a:p>
-          <a:p>
-            <a:pPr marL="0" indent="0">
-              <a:buNone/>
-            </a:pPr>
-            <a:r>
-              <a:rPr lang="en-GB" altLang="en-US" sz="2800" b="1">
-                <a:solidFill>
-                  <a:srgbClr val="0070C0"/>
-                </a:solidFill>
-                <a:sym typeface="+mn-ea"/>
-              </a:rPr>
-              <a:t>National Lottery games enhanced at Camelot Group </a:t>
-            </a:r>
-            <a:endParaRPr lang="en-GB" altLang="en-US" sz="2800" b="1">
-              <a:solidFill>
-                <a:srgbClr val="0070C0"/>
+                <a:srgbClr val="00B050"/>
               </a:solidFill>
               <a:sym typeface="+mn-ea"/>
             </a:endParaRPr>
